--- a/docs/lectures/lecture_08/08_01_lecture_powerpoint.pptx
+++ b/docs/lectures/lecture_08/08_01_lecture_powerpoint.pptx
@@ -3643,7 +3643,7 @@
                 </a:solidFill>
                 <a:latin typeface="Courier"/>
               </a:rPr>
-              <a:t> len_mm)) </a:t>
+              <a:t> length_mm)) </a:t>
             </a:r>
             <a:r>
               <a:rPr>
@@ -3926,7 +3926,7 @@
       </p:sp>
       <p:pic>
         <p:nvPicPr>
-          <p:cNvPr descr="08_01_lecture_powerpoint_files/figure-pptx/unnamed-chunk-7-1.png" id="0" name="Picture 1"/>
+          <p:cNvPr descr="08_01_lecture_powerpoint_files/figure-pptx/unnamed-chunk-6-1.png" id="0" name="Picture 1"/>
           <p:cNvPicPr>
             <a:picLocks noGrp="1" noChangeAspect="1"/>
           </p:cNvPicPr>
@@ -3979,7 +3979,7 @@
                 </a:solidFill>
                 <a:latin typeface="Courier"/>
               </a:rPr>
-              <a:t># ggplot(pine_data, aes(sample = len_mm)) +</a:t>
+              <a:t># ggplot(pine_data, aes(sample = length_mm)) +</a:t>
             </a:r>
             <a:br/>
             <a:r>
@@ -6154,7 +6154,7 @@
       </p:sp>
       <p:pic>
         <p:nvPicPr>
-          <p:cNvPr descr="08_01_lecture_powerpoint_files/figure-pptx/unnamed-chunk-8-1.png" id="0" name="Picture 1"/>
+          <p:cNvPr descr="08_01_lecture_powerpoint_files/figure-pptx/unnamed-chunk-7-1.png" id="0" name="Picture 1"/>
           <p:cNvPicPr>
             <a:picLocks noGrp="1" noChangeAspect="1"/>
           </p:cNvPicPr>
@@ -7592,373 +7592,115 @@
             <a:r>
               <a:rPr>
                 <a:solidFill>
-                  <a:srgbClr val="003B4F"/>
-                </a:solidFill>
-                <a:latin typeface="Courier"/>
-              </a:rPr>
-              <a:t>pine_data </a:t>
-            </a:r>
-            <a:r>
-              <a:rPr>
-                <a:solidFill>
                   <a:srgbClr val="5E5E5E"/>
                 </a:solidFill>
                 <a:latin typeface="Courier"/>
               </a:rPr>
-              <a:t>%&gt;%</a:t>
-            </a:r>
-            <a:r>
-              <a:rPr>
-                <a:solidFill>
-                  <a:srgbClr val="003B4F"/>
-                </a:solidFill>
-                <a:latin typeface="Courier"/>
-              </a:rPr>
-              <a:t> </a:t>
+              <a:t># pine_data %&gt;% </a:t>
             </a:r>
             <a:br/>
             <a:r>
               <a:rPr>
                 <a:solidFill>
-                  <a:srgbClr val="003B4F"/>
-                </a:solidFill>
-                <a:latin typeface="Courier"/>
-              </a:rPr>
-              <a:t>  </a:t>
-            </a:r>
-            <a:r>
-              <a:rPr>
-                <a:solidFill>
-                  <a:srgbClr val="4758AB"/>
-                </a:solidFill>
-                <a:latin typeface="Courier"/>
-              </a:rPr>
-              <a:t>group_by</a:t>
-            </a:r>
-            <a:r>
-              <a:rPr>
-                <a:solidFill>
-                  <a:srgbClr val="003B4F"/>
-                </a:solidFill>
-                <a:latin typeface="Courier"/>
-              </a:rPr>
-              <a:t>(wind) </a:t>
-            </a:r>
-            <a:r>
-              <a:rPr>
-                <a:solidFill>
                   <a:srgbClr val="5E5E5E"/>
                 </a:solidFill>
                 <a:latin typeface="Courier"/>
               </a:rPr>
-              <a:t>%&gt;%</a:t>
+              <a:t>#   group_by(wind) %&gt;%</a:t>
             </a:r>
             <a:br/>
             <a:r>
               <a:rPr>
                 <a:solidFill>
-                  <a:srgbClr val="003B4F"/>
-                </a:solidFill>
-                <a:latin typeface="Courier"/>
-              </a:rPr>
-              <a:t>  </a:t>
-            </a:r>
-            <a:r>
-              <a:rPr>
-                <a:solidFill>
-                  <a:srgbClr val="4758AB"/>
-                </a:solidFill>
-                <a:latin typeface="Courier"/>
-              </a:rPr>
-              <a:t>summarize</a:t>
-            </a:r>
-            <a:r>
-              <a:rPr>
-                <a:solidFill>
-                  <a:srgbClr val="003B4F"/>
-                </a:solidFill>
-                <a:latin typeface="Courier"/>
-              </a:rPr>
-              <a:t>(</a:t>
+                  <a:srgbClr val="5E5E5E"/>
+                </a:solidFill>
+                <a:latin typeface="Courier"/>
+              </a:rPr>
+              <a:t>#   summarize(</a:t>
             </a:r>
             <a:br/>
             <a:r>
               <a:rPr>
                 <a:solidFill>
-                  <a:srgbClr val="003B4F"/>
-                </a:solidFill>
-                <a:latin typeface="Courier"/>
-              </a:rPr>
-              <a:t>    </a:t>
-            </a:r>
-            <a:r>
-              <a:rPr>
-                <a:solidFill>
-                  <a:srgbClr val="657422"/>
-                </a:solidFill>
-                <a:latin typeface="Courier"/>
-              </a:rPr>
-              <a:t>n =</a:t>
-            </a:r>
-            <a:r>
-              <a:rPr>
-                <a:solidFill>
-                  <a:srgbClr val="003B4F"/>
-                </a:solidFill>
-                <a:latin typeface="Courier"/>
-              </a:rPr>
-              <a:t> </a:t>
-            </a:r>
-            <a:r>
-              <a:rPr>
-                <a:solidFill>
-                  <a:srgbClr val="4758AB"/>
-                </a:solidFill>
-                <a:latin typeface="Courier"/>
-              </a:rPr>
-              <a:t>n</a:t>
-            </a:r>
-            <a:r>
-              <a:rPr>
-                <a:solidFill>
-                  <a:srgbClr val="003B4F"/>
-                </a:solidFill>
-                <a:latin typeface="Courier"/>
-              </a:rPr>
-              <a:t>(),</a:t>
+                  <a:srgbClr val="5E5E5E"/>
+                </a:solidFill>
+                <a:latin typeface="Courier"/>
+              </a:rPr>
+              <a:t>#     n = n(),</a:t>
             </a:r>
             <a:br/>
             <a:r>
               <a:rPr>
                 <a:solidFill>
-                  <a:srgbClr val="003B4F"/>
-                </a:solidFill>
-                <a:latin typeface="Courier"/>
-              </a:rPr>
-              <a:t>    </a:t>
-            </a:r>
-            <a:r>
-              <a:rPr>
-                <a:solidFill>
-                  <a:srgbClr val="657422"/>
-                </a:solidFill>
-                <a:latin typeface="Courier"/>
-              </a:rPr>
-              <a:t>mean =</a:t>
-            </a:r>
-            <a:r>
-              <a:rPr>
-                <a:solidFill>
-                  <a:srgbClr val="003B4F"/>
-                </a:solidFill>
-                <a:latin typeface="Courier"/>
-              </a:rPr>
-              <a:t> </a:t>
-            </a:r>
-            <a:r>
-              <a:rPr>
-                <a:solidFill>
-                  <a:srgbClr val="4758AB"/>
-                </a:solidFill>
-                <a:latin typeface="Courier"/>
-              </a:rPr>
-              <a:t>mean</a:t>
-            </a:r>
-            <a:r>
-              <a:rPr>
-                <a:solidFill>
-                  <a:srgbClr val="003B4F"/>
-                </a:solidFill>
-                <a:latin typeface="Courier"/>
-              </a:rPr>
-              <a:t>(len_mm),</a:t>
+                  <a:srgbClr val="5E5E5E"/>
+                </a:solidFill>
+                <a:latin typeface="Courier"/>
+              </a:rPr>
+              <a:t>#     mean = mean(length_mm),</a:t>
             </a:r>
             <a:br/>
             <a:r>
               <a:rPr>
                 <a:solidFill>
-                  <a:srgbClr val="003B4F"/>
-                </a:solidFill>
-                <a:latin typeface="Courier"/>
-              </a:rPr>
-              <a:t>    </a:t>
-            </a:r>
-            <a:r>
-              <a:rPr>
-                <a:solidFill>
-                  <a:srgbClr val="657422"/>
-                </a:solidFill>
-                <a:latin typeface="Courier"/>
-              </a:rPr>
-              <a:t>sd =</a:t>
-            </a:r>
-            <a:r>
-              <a:rPr>
-                <a:solidFill>
-                  <a:srgbClr val="003B4F"/>
-                </a:solidFill>
-                <a:latin typeface="Courier"/>
-              </a:rPr>
-              <a:t> </a:t>
-            </a:r>
-            <a:r>
-              <a:rPr>
-                <a:solidFill>
-                  <a:srgbClr val="4758AB"/>
-                </a:solidFill>
-                <a:latin typeface="Courier"/>
-              </a:rPr>
-              <a:t>sd</a:t>
-            </a:r>
-            <a:r>
-              <a:rPr>
-                <a:solidFill>
-                  <a:srgbClr val="003B4F"/>
-                </a:solidFill>
-                <a:latin typeface="Courier"/>
-              </a:rPr>
-              <a:t>(len_mm),</a:t>
+                  <a:srgbClr val="5E5E5E"/>
+                </a:solidFill>
+                <a:latin typeface="Courier"/>
+              </a:rPr>
+              <a:t>#     sd = sd(length_mm),</a:t>
             </a:r>
             <a:br/>
             <a:r>
               <a:rPr>
                 <a:solidFill>
-                  <a:srgbClr val="003B4F"/>
-                </a:solidFill>
-                <a:latin typeface="Courier"/>
-              </a:rPr>
-              <a:t>    </a:t>
-            </a:r>
-            <a:r>
-              <a:rPr>
-                <a:solidFill>
-                  <a:srgbClr val="657422"/>
-                </a:solidFill>
-                <a:latin typeface="Courier"/>
-              </a:rPr>
-              <a:t>min =</a:t>
-            </a:r>
-            <a:r>
-              <a:rPr>
-                <a:solidFill>
-                  <a:srgbClr val="003B4F"/>
-                </a:solidFill>
-                <a:latin typeface="Courier"/>
-              </a:rPr>
-              <a:t> </a:t>
-            </a:r>
-            <a:r>
-              <a:rPr>
-                <a:solidFill>
-                  <a:srgbClr val="4758AB"/>
-                </a:solidFill>
-                <a:latin typeface="Courier"/>
-              </a:rPr>
-              <a:t>min</a:t>
-            </a:r>
-            <a:r>
-              <a:rPr>
-                <a:solidFill>
-                  <a:srgbClr val="003B4F"/>
-                </a:solidFill>
-                <a:latin typeface="Courier"/>
-              </a:rPr>
-              <a:t>(len_mm),</a:t>
+                  <a:srgbClr val="5E5E5E"/>
+                </a:solidFill>
+                <a:latin typeface="Courier"/>
+              </a:rPr>
+              <a:t>#     min = min(length_mm),</a:t>
             </a:r>
             <a:br/>
             <a:r>
               <a:rPr>
                 <a:solidFill>
-                  <a:srgbClr val="003B4F"/>
-                </a:solidFill>
-                <a:latin typeface="Courier"/>
-              </a:rPr>
-              <a:t>    </a:t>
-            </a:r>
-            <a:r>
-              <a:rPr>
-                <a:solidFill>
-                  <a:srgbClr val="657422"/>
-                </a:solidFill>
-                <a:latin typeface="Courier"/>
-              </a:rPr>
-              <a:t>max =</a:t>
-            </a:r>
-            <a:r>
-              <a:rPr>
-                <a:solidFill>
-                  <a:srgbClr val="003B4F"/>
-                </a:solidFill>
-                <a:latin typeface="Courier"/>
-              </a:rPr>
-              <a:t> </a:t>
-            </a:r>
-            <a:r>
-              <a:rPr>
-                <a:solidFill>
-                  <a:srgbClr val="4758AB"/>
-                </a:solidFill>
-                <a:latin typeface="Courier"/>
-              </a:rPr>
-              <a:t>max</a:t>
-            </a:r>
-            <a:r>
-              <a:rPr>
-                <a:solidFill>
-                  <a:srgbClr val="003B4F"/>
-                </a:solidFill>
-                <a:latin typeface="Courier"/>
-              </a:rPr>
-              <a:t>(len_mm)</a:t>
+                  <a:srgbClr val="5E5E5E"/>
+                </a:solidFill>
+                <a:latin typeface="Courier"/>
+              </a:rPr>
+              <a:t>#     max = max(length_mm)</a:t>
             </a:r>
             <a:br/>
             <a:r>
               <a:rPr>
                 <a:solidFill>
-                  <a:srgbClr val="003B4F"/>
-                </a:solidFill>
-                <a:latin typeface="Courier"/>
-              </a:rPr>
-              <a:t>  )</a:t>
-            </a:r>
-          </a:p>
+                  <a:srgbClr val="5E5E5E"/>
+                </a:solidFill>
+                <a:latin typeface="Courier"/>
+              </a:rPr>
+              <a:t>#   )</a:t>
+            </a:r>
+          </a:p>
+        </p:txBody>
+      </p:sp>
+      <p:sp>
+        <p:nvSpPr>
+          <p:cNvPr id="5" name="Text Placeholder 4"/>
+          <p:cNvSpPr>
+            <a:spLocks noGrp="1"/>
+          </p:cNvSpPr>
+          <p:nvPr>
+            <p:ph idx="3" sz="quarter" type="body"/>
+          </p:nvPr>
+        </p:nvSpPr>
+        <p:spPr/>
+        <p:txBody>
+          <a:bodyPr/>
+          <a:lstStyle/>
           <a:p>
             <a:pPr lvl="0" indent="0">
               <a:buNone/>
             </a:pPr>
             <a:r>
               <a:rPr>
-                <a:latin typeface="Courier"/>
-              </a:rPr>
-              <a:t># A tibble: 2 × 6
-  wind      n  mean    sd   min   max
-  &lt;chr&gt; &lt;int&gt; &lt;dbl&gt; &lt;dbl&gt; &lt;dbl&gt; &lt;dbl&gt;
-1 lee      24  20.4  2.45    16    25
-2 wind     24  14.9  1.91    12    19</a:t>
-            </a:r>
-          </a:p>
-        </p:txBody>
-      </p:sp>
-      <p:sp>
-        <p:nvSpPr>
-          <p:cNvPr id="5" name="Text Placeholder 4"/>
-          <p:cNvSpPr>
-            <a:spLocks noGrp="1"/>
-          </p:cNvSpPr>
-          <p:nvPr>
-            <p:ph idx="3" sz="quarter" type="body"/>
-          </p:nvPr>
-        </p:nvSpPr>
-        <p:spPr/>
-        <p:txBody>
-          <a:bodyPr/>
-          <a:lstStyle/>
-          <a:p>
-            <a:pPr lvl="0" indent="0">
-              <a:buNone/>
-            </a:pPr>
-            <a:r>
-              <a:rPr>
                 <a:solidFill>
                   <a:srgbClr val="5E5E5E"/>
                 </a:solidFill>
@@ -8019,7 +7761,7 @@
                 </a:solidFill>
                 <a:latin typeface="Courier"/>
               </a:rPr>
-              <a:t> len_mm)) </a:t>
+              <a:t> length_mm)) </a:t>
             </a:r>
             <a:r>
               <a:rPr>
@@ -8548,7 +8290,7 @@
       </p:sp>
       <p:pic>
         <p:nvPicPr>
-          <p:cNvPr descr="08_01_lecture_powerpoint_files/figure-pptx/unnamed-chunk-2-1.png" id="0" name="Picture 1"/>
+          <p:cNvPr descr="08_01_lecture_powerpoint_files/figure-pptx/unnamed-chunk-1-1.png" id="0" name="Picture 1"/>
           <p:cNvPicPr>
             <a:picLocks noGrp="1" noChangeAspect="1"/>
           </p:cNvPicPr>
@@ -8742,7 +8484,7 @@
                 </a:solidFill>
                 <a:latin typeface="Courier"/>
               </a:rPr>
-              <a:t> len_mm)) </a:t>
+              <a:t> length_mm)) </a:t>
             </a:r>
             <a:r>
               <a:rPr>
@@ -9024,7 +8766,7 @@
       </p:sp>
       <p:pic>
         <p:nvPicPr>
-          <p:cNvPr descr="08_01_lecture_powerpoint_files/figure-pptx/unnamed-chunk-3-1.png" id="0" name="Picture 1"/>
+          <p:cNvPr descr="08_01_lecture_powerpoint_files/figure-pptx/unnamed-chunk-2-1.png" id="0" name="Picture 1"/>
           <p:cNvPicPr>
             <a:picLocks noGrp="1" noChangeAspect="1"/>
           </p:cNvPicPr>
@@ -9211,7 +8953,7 @@
                 </a:solidFill>
                 <a:latin typeface="Courier"/>
               </a:rPr>
-              <a:t> len_mm)) </a:t>
+              <a:t> length_mm)) </a:t>
             </a:r>
             <a:r>
               <a:rPr>
@@ -9529,7 +9271,7 @@
       </p:sp>
       <p:pic>
         <p:nvPicPr>
-          <p:cNvPr descr="08_01_lecture_powerpoint_files/figure-pptx/unnamed-chunk-4-1.png" id="0" name="Picture 1"/>
+          <p:cNvPr descr="08_01_lecture_powerpoint_files/figure-pptx/unnamed-chunk-3-1.png" id="0" name="Picture 1"/>
           <p:cNvPicPr>
             <a:picLocks noGrp="1" noChangeAspect="1"/>
           </p:cNvPicPr>
@@ -9752,7 +9494,7 @@
                 </a:solidFill>
                 <a:latin typeface="Courier"/>
               </a:rPr>
-              <a:t> len_mm)) </a:t>
+              <a:t> length_mm)) </a:t>
             </a:r>
             <a:r>
               <a:rPr>
@@ -10298,7 +10040,7 @@
       </p:sp>
       <p:pic>
         <p:nvPicPr>
-          <p:cNvPr descr="08_01_lecture_powerpoint_files/figure-pptx/unnamed-chunk-5-1.png" id="0" name="Picture 1"/>
+          <p:cNvPr descr="08_01_lecture_powerpoint_files/figure-pptx/unnamed-chunk-4-1.png" id="0" name="Picture 1"/>
           <p:cNvPicPr>
             <a:picLocks noGrp="1" noChangeAspect="1"/>
           </p:cNvPicPr>
@@ -10592,7 +10334,7 @@
                 </a:solidFill>
                 <a:latin typeface="Courier"/>
               </a:rPr>
-              <a:t> len_mm)) </a:t>
+              <a:t> length_mm)) </a:t>
             </a:r>
             <a:r>
               <a:rPr>
@@ -10838,7 +10580,7 @@
       </p:sp>
       <p:pic>
         <p:nvPicPr>
-          <p:cNvPr descr="08_01_lecture_powerpoint_files/figure-pptx/unnamed-chunk-6-1.png" id="0" name="Picture 1"/>
+          <p:cNvPr descr="08_01_lecture_powerpoint_files/figure-pptx/unnamed-chunk-5-1.png" id="0" name="Picture 1"/>
           <p:cNvPicPr>
             <a:picLocks noGrp="1" noChangeAspect="1"/>
           </p:cNvPicPr>
